--- a/Lectures/pptx/5_Lecture_five.pptx
+++ b/Lectures/pptx/5_Lecture_five.pptx
@@ -9506,7 +9506,7 @@
         </p:nvSpPr>
         <p:spPr bwMode="auto">
           <a:xfrm>
-            <a:off x="323528" y="3861048"/>
+            <a:off x="323528" y="3789040"/>
             <a:ext cx="8496944" cy="504056"/>
           </a:xfrm>
           <a:prstGeom prst="rect">
@@ -9719,12 +9719,12 @@
               </a:lnSpc>
             </a:pPr>
             <a:r>
-              <a:rPr lang="en-US" sz="2400" kern="0" smtClean="0">
+              <a:rPr lang="en-US" sz="2400" kern="0" dirty="0" smtClean="0">
                 <a:solidFill>
                   <a:srgbClr val="000000"/>
                 </a:solidFill>
               </a:rPr>
-              <a:t>Lecture five: </a:t>
+              <a:t>Lecture </a:t>
             </a:r>
             <a:r>
               <a:rPr lang="en-US" sz="2400" kern="0" dirty="0" smtClean="0">
@@ -9732,8 +9732,21 @@
                   <a:srgbClr val="000000"/>
                 </a:solidFill>
               </a:rPr>
-              <a:t>A deeper dive into C programming</a:t>
-            </a:r>
+              <a:t>Five</a:t>
+            </a:r>
+            <a:r>
+              <a:rPr lang="en-US" sz="2400" kern="0" dirty="0">
+                <a:solidFill>
+                  <a:srgbClr val="000000"/>
+                </a:solidFill>
+              </a:rPr>
+              <a:t>: A deeper dive into C programming.</a:t>
+            </a:r>
+            <a:endParaRPr lang="en-GB" sz="2400" kern="0" dirty="0">
+              <a:solidFill>
+                <a:srgbClr val="000000"/>
+              </a:solidFill>
+            </a:endParaRPr>
           </a:p>
         </p:txBody>
       </p:sp>
@@ -18486,29 +18499,7 @@
                 <a:ea typeface="SimSun" panose="02010600030101010101" pitchFamily="2" charset="-122"/>
                 <a:cs typeface="Courier New" panose="02070309020205020404" pitchFamily="49" charset="0"/>
               </a:rPr>
-              <a:t>    printf(“\</a:t>
-            </a:r>
-            <a:r>
-              <a:rPr lang="pt-BR" sz="1200" dirty="0" smtClean="0">
-                <a:solidFill>
-                  <a:srgbClr val="080808"/>
-                </a:solidFill>
-                <a:latin typeface="Courier New" panose="02070309020205020404" pitchFamily="49" charset="0"/>
-                <a:ea typeface="SimSun" panose="02010600030101010101" pitchFamily="2" charset="-122"/>
-                <a:cs typeface="Courier New" panose="02070309020205020404" pitchFamily="49" charset="0"/>
-              </a:rPr>
-              <a:t>nOne </a:t>
-            </a:r>
-            <a:r>
-              <a:rPr lang="pt-BR" sz="1200" dirty="0" smtClean="0">
-                <a:solidFill>
-                  <a:srgbClr val="080808"/>
-                </a:solidFill>
-                <a:latin typeface="Courier New" panose="02070309020205020404" pitchFamily="49" charset="0"/>
-                <a:ea typeface="SimSun" panose="02010600030101010101" pitchFamily="2" charset="-122"/>
-                <a:cs typeface="Courier New" panose="02070309020205020404" pitchFamily="49" charset="0"/>
-              </a:rPr>
-              <a:t>as a character:\t%c”, one);</a:t>
+              <a:t>    printf(“\nOne as a character:\t%c”, one);</a:t>
             </a:r>
             <a:endParaRPr lang="pt-BR" sz="1200" dirty="0">
               <a:solidFill>
@@ -22090,97 +22081,47 @@
                 <a:latin typeface="Arial" panose="020B0604020202020204"/>
                 <a:cs typeface="Courier New" panose="02070309020205020404" pitchFamily="49" charset="0"/>
               </a:rPr>
-              <a:t> provide additional control within </a:t>
+              <a:t> provide additional control within loops. They are used within the body of a </a:t>
             </a:r>
             <a:r>
               <a:rPr lang="en-GB" sz="1400" dirty="0" smtClean="0">
                 <a:solidFill>
+                  <a:srgbClr val="000000"/>
+                </a:solidFill>
+                <a:latin typeface="Courier New" panose="02070309020205020404" pitchFamily="49" charset="0"/>
+                <a:cs typeface="Courier New" panose="02070309020205020404" pitchFamily="49" charset="0"/>
+              </a:rPr>
+              <a:t>for()</a:t>
+            </a:r>
+            <a:r>
+              <a:rPr lang="en-GB" sz="1400" dirty="0" smtClean="0">
+                <a:solidFill>
                   <a:srgbClr val="C2470C"/>
                 </a:solidFill>
                 <a:latin typeface="Arial" panose="020B0604020202020204"/>
                 <a:cs typeface="Courier New" panose="02070309020205020404" pitchFamily="49" charset="0"/>
               </a:rPr>
-              <a:t>loops. They are </a:t>
+              <a:t> or </a:t>
             </a:r>
             <a:r>
               <a:rPr lang="en-GB" sz="1400" dirty="0" smtClean="0">
                 <a:solidFill>
+                  <a:srgbClr val="000000"/>
+                </a:solidFill>
+                <a:latin typeface="Courier New" panose="02070309020205020404" pitchFamily="49" charset="0"/>
+                <a:cs typeface="Courier New" panose="02070309020205020404" pitchFamily="49" charset="0"/>
+              </a:rPr>
+              <a:t>while()</a:t>
+            </a:r>
+            <a:r>
+              <a:rPr lang="en-GB" sz="1400" dirty="0" smtClean="0">
+                <a:solidFill>
                   <a:srgbClr val="C2470C"/>
                 </a:solidFill>
                 <a:latin typeface="Arial" panose="020B0604020202020204"/>
                 <a:cs typeface="Courier New" panose="02070309020205020404" pitchFamily="49" charset="0"/>
               </a:rPr>
-              <a:t>used </a:t>
-            </a:r>
-            <a:r>
-              <a:rPr lang="en-GB" sz="1400" dirty="0" smtClean="0">
-                <a:solidFill>
-                  <a:srgbClr val="C2470C"/>
-                </a:solidFill>
-                <a:latin typeface="Arial" panose="020B0604020202020204"/>
-                <a:cs typeface="Courier New" panose="02070309020205020404" pitchFamily="49" charset="0"/>
-              </a:rPr>
-              <a:t>within </a:t>
-            </a:r>
-            <a:r>
-              <a:rPr lang="en-GB" sz="1400" dirty="0" smtClean="0">
-                <a:solidFill>
-                  <a:srgbClr val="C2470C"/>
-                </a:solidFill>
-                <a:latin typeface="Arial" panose="020B0604020202020204"/>
-                <a:cs typeface="Courier New" panose="02070309020205020404" pitchFamily="49" charset="0"/>
-              </a:rPr>
-              <a:t>the body of a </a:t>
-            </a:r>
-            <a:r>
-              <a:rPr lang="en-GB" sz="1400" dirty="0" smtClean="0">
-                <a:solidFill>
-                  <a:srgbClr val="000000"/>
-                </a:solidFill>
-                <a:latin typeface="Courier New" panose="02070309020205020404" pitchFamily="49" charset="0"/>
-                <a:cs typeface="Courier New" panose="02070309020205020404" pitchFamily="49" charset="0"/>
-              </a:rPr>
-              <a:t>for()</a:t>
-            </a:r>
-            <a:r>
-              <a:rPr lang="en-GB" sz="1400" dirty="0" smtClean="0">
-                <a:solidFill>
-                  <a:srgbClr val="C2470C"/>
-                </a:solidFill>
-                <a:latin typeface="Arial" panose="020B0604020202020204"/>
-                <a:cs typeface="Courier New" panose="02070309020205020404" pitchFamily="49" charset="0"/>
-              </a:rPr>
-              <a:t> or </a:t>
-            </a:r>
-            <a:r>
-              <a:rPr lang="en-GB" sz="1400" dirty="0" smtClean="0">
-                <a:solidFill>
-                  <a:srgbClr val="000000"/>
-                </a:solidFill>
-                <a:latin typeface="Courier New" panose="02070309020205020404" pitchFamily="49" charset="0"/>
-                <a:cs typeface="Courier New" panose="02070309020205020404" pitchFamily="49" charset="0"/>
-              </a:rPr>
-              <a:t>while()</a:t>
-            </a:r>
-            <a:r>
-              <a:rPr lang="en-GB" sz="1400" dirty="0" smtClean="0">
-                <a:solidFill>
-                  <a:srgbClr val="C2470C"/>
-                </a:solidFill>
-                <a:latin typeface="Arial" panose="020B0604020202020204"/>
-                <a:cs typeface="Courier New" panose="02070309020205020404" pitchFamily="49" charset="0"/>
-              </a:rPr>
-              <a:t> </a:t>
-            </a:r>
-            <a:r>
-              <a:rPr lang="en-GB" sz="1400" dirty="0" smtClean="0">
-                <a:solidFill>
-                  <a:srgbClr val="C2470C"/>
-                </a:solidFill>
-                <a:latin typeface="Arial" panose="020B0604020202020204"/>
-                <a:cs typeface="Courier New" panose="02070309020205020404" pitchFamily="49" charset="0"/>
-              </a:rPr>
-              <a:t>loop, additionally </a:t>
+              <a:t> loop, additionally </a:t>
             </a:r>
             <a:r>
               <a:rPr lang="en-GB" sz="1400" dirty="0" smtClean="0">
@@ -23023,17 +22964,7 @@
                 <a:latin typeface="Arial" panose="020B0604020202020204"/>
                 <a:cs typeface="Courier New" panose="02070309020205020404" pitchFamily="49" charset="0"/>
               </a:rPr>
-              <a:t>An </a:t>
-            </a:r>
-            <a:r>
-              <a:rPr lang="en-GB" sz="1400" dirty="0" smtClean="0">
-                <a:solidFill>
-                  <a:srgbClr val="C2470C"/>
-                </a:solidFill>
-                <a:latin typeface="Arial" panose="020B0604020202020204"/>
-                <a:cs typeface="Courier New" panose="02070309020205020404" pitchFamily="49" charset="0"/>
-              </a:rPr>
-              <a:t>example of how the </a:t>
+              <a:t>An example of how the </a:t>
             </a:r>
             <a:r>
               <a:rPr lang="en-GB" sz="1400" dirty="0" smtClean="0">
@@ -24522,29 +24453,7 @@
                 <a:ea typeface="SimSun" panose="02010600030101010101" pitchFamily="2" charset="-122"/>
                 <a:cs typeface="Courier New" panose="02070309020205020404" pitchFamily="49" charset="0"/>
               </a:rPr>
-              <a:t>    if((</a:t>
-            </a:r>
-            <a:r>
-              <a:rPr lang="pt-BR" sz="1200" dirty="0" smtClean="0">
-                <a:solidFill>
-                  <a:srgbClr val="080808"/>
-                </a:solidFill>
-                <a:latin typeface="Courier New" panose="02070309020205020404" pitchFamily="49" charset="0"/>
-                <a:ea typeface="SimSun" panose="02010600030101010101" pitchFamily="2" charset="-122"/>
-                <a:cs typeface="Courier New" panose="02070309020205020404" pitchFamily="49" charset="0"/>
-              </a:rPr>
-              <a:t>fp=fopen(filename</a:t>
-            </a:r>
-            <a:r>
-              <a:rPr lang="pt-BR" sz="1200" dirty="0" smtClean="0">
-                <a:solidFill>
-                  <a:srgbClr val="080808"/>
-                </a:solidFill>
-                <a:latin typeface="Courier New" panose="02070309020205020404" pitchFamily="49" charset="0"/>
-                <a:ea typeface="SimSun" panose="02010600030101010101" pitchFamily="2" charset="-122"/>
-                <a:cs typeface="Courier New" panose="02070309020205020404" pitchFamily="49" charset="0"/>
-              </a:rPr>
-              <a:t>, mode)) != NULL) {</a:t>
+              <a:t>    if((fp=fopen(filename, mode)) != NULL) {</a:t>
             </a:r>
           </a:p>
           <a:p>
@@ -26853,21 +26762,7 @@
                 <a:latin typeface="+mn-lt"/>
                 <a:cs typeface="Courier New" panose="02070309020205020404" pitchFamily="49" charset="0"/>
               </a:rPr>
-              <a:t>In lecture two we presented the concept of an array and how to use them. Now </a:t>
-            </a:r>
-            <a:r>
-              <a:rPr lang="en-GB" sz="1400" dirty="0" smtClean="0">
-                <a:latin typeface="+mn-lt"/>
-                <a:cs typeface="Courier New" panose="02070309020205020404" pitchFamily="49" charset="0"/>
-              </a:rPr>
-              <a:t>let’s </a:t>
-            </a:r>
-            <a:r>
-              <a:rPr lang="en-GB" sz="1400" dirty="0" smtClean="0">
-                <a:latin typeface="+mn-lt"/>
-                <a:cs typeface="Courier New" panose="02070309020205020404" pitchFamily="49" charset="0"/>
-              </a:rPr>
-              <a:t>look a them in some more detail. What characterises an array. </a:t>
+              <a:t>In lecture two we presented the concept of an array and how to use them. Now let’s look a them in some more detail. What characterises an array. </a:t>
             </a:r>
           </a:p>
           <a:p>
@@ -27921,29 +27816,7 @@
                 <a:ea typeface="SimSun" panose="02010600030101010101" pitchFamily="2" charset="-122"/>
                 <a:cs typeface="Courier New" panose="02070309020205020404" pitchFamily="49" charset="0"/>
               </a:rPr>
-              <a:t>    if((</a:t>
-            </a:r>
-            <a:r>
-              <a:rPr lang="pt-BR" sz="1200" dirty="0" smtClean="0">
-                <a:solidFill>
-                  <a:srgbClr val="080808"/>
-                </a:solidFill>
-                <a:latin typeface="Courier New" panose="02070309020205020404" pitchFamily="49" charset="0"/>
-                <a:ea typeface="SimSun" panose="02010600030101010101" pitchFamily="2" charset="-122"/>
-                <a:cs typeface="Courier New" panose="02070309020205020404" pitchFamily="49" charset="0"/>
-              </a:rPr>
-              <a:t>fp=fopen(filename</a:t>
-            </a:r>
-            <a:r>
-              <a:rPr lang="pt-BR" sz="1200" dirty="0" smtClean="0">
-                <a:solidFill>
-                  <a:srgbClr val="080808"/>
-                </a:solidFill>
-                <a:latin typeface="Courier New" panose="02070309020205020404" pitchFamily="49" charset="0"/>
-                <a:ea typeface="SimSun" panose="02010600030101010101" pitchFamily="2" charset="-122"/>
-                <a:cs typeface="Courier New" panose="02070309020205020404" pitchFamily="49" charset="0"/>
-              </a:rPr>
-              <a:t>, mode)) == NULL) exit(1);</a:t>
+              <a:t>    if((fp=fopen(filename, mode)) == NULL) exit(1);</a:t>
             </a:r>
           </a:p>
           <a:p>
@@ -28039,18 +27912,7 @@
                 <a:ea typeface="SimSun" panose="02010600030101010101" pitchFamily="2" charset="-122"/>
                 <a:cs typeface="Courier New" panose="02070309020205020404" pitchFamily="49" charset="0"/>
               </a:rPr>
-              <a:t>   </a:t>
-            </a:r>
-            <a:r>
-              <a:rPr lang="pt-BR" sz="1200" dirty="0" smtClean="0">
-                <a:solidFill>
-                  <a:srgbClr val="080808"/>
-                </a:solidFill>
-                <a:latin typeface="Courier New" panose="02070309020205020404" pitchFamily="49" charset="0"/>
-                <a:ea typeface="SimSun" panose="02010600030101010101" pitchFamily="2" charset="-122"/>
-                <a:cs typeface="Courier New" panose="02070309020205020404" pitchFamily="49" charset="0"/>
-              </a:rPr>
-              <a:t>fp=fopen(filename</a:t>
+              <a:t>   fp=fopen(filename</a:t>
             </a:r>
             <a:r>
               <a:rPr lang="pt-BR" sz="1200" dirty="0">
@@ -36284,21 +36146,7 @@
                 <a:latin typeface="+mn-lt"/>
                 <a:cs typeface="Courier New" panose="02070309020205020404" pitchFamily="49" charset="0"/>
               </a:rPr>
-              <a:t>Fortunately C has the concept of multidimensional arrays. Using these we can store an </a:t>
-            </a:r>
-            <a:r>
-              <a:rPr lang="en-GB" sz="1400" dirty="0" smtClean="0">
-                <a:latin typeface="+mn-lt"/>
-                <a:cs typeface="Courier New" panose="02070309020205020404" pitchFamily="49" charset="0"/>
-              </a:rPr>
-              <a:t>entity </a:t>
-            </a:r>
-            <a:r>
-              <a:rPr lang="en-GB" sz="1400" dirty="0" smtClean="0">
-                <a:latin typeface="+mn-lt"/>
-                <a:cs typeface="Courier New" panose="02070309020205020404" pitchFamily="49" charset="0"/>
-              </a:rPr>
-              <a:t>that has any dimension.</a:t>
+              <a:t>Fortunately C has the concept of multidimensional arrays. Using these we can store an entity that has any dimension.</a:t>
             </a:r>
           </a:p>
           <a:p>
@@ -38772,16 +38620,7 @@
                 </a:solidFill>
                 <a:latin typeface="Arial" panose="020B0604020202020204" pitchFamily="34" charset="0"/>
               </a:rPr>
-              <a:t>multidimensional</a:t>
-            </a:r>
-            <a:r>
-              <a:rPr lang="en-GB" b="1" dirty="0" smtClean="0">
-                <a:solidFill>
-                  <a:schemeClr val="bg1"/>
-                </a:solidFill>
-                <a:latin typeface="Arial" panose="020B0604020202020204" pitchFamily="34" charset="0"/>
-              </a:rPr>
-              <a:t> arrays </a:t>
+              <a:t>multidimensional arrays </a:t>
             </a:r>
             <a:endParaRPr lang="en-GB" b="1" dirty="0">
               <a:solidFill>
@@ -38819,21 +38658,7 @@
                 <a:latin typeface="+mn-lt"/>
                 <a:cs typeface="Courier New" panose="02070309020205020404" pitchFamily="49" charset="0"/>
               </a:rPr>
-              <a:t>H</a:t>
-            </a:r>
-            <a:r>
-              <a:rPr lang="en-GB" sz="1400" dirty="0" smtClean="0">
-                <a:latin typeface="+mn-lt"/>
-                <a:cs typeface="Courier New" panose="02070309020205020404" pitchFamily="49" charset="0"/>
-              </a:rPr>
-              <a:t>ow </a:t>
-            </a:r>
-            <a:r>
-              <a:rPr lang="en-GB" sz="1400" dirty="0" smtClean="0">
-                <a:latin typeface="+mn-lt"/>
-                <a:cs typeface="Courier New" panose="02070309020205020404" pitchFamily="49" charset="0"/>
-              </a:rPr>
-              <a:t>do we initialise these arrays in our code?</a:t>
+              <a:t>How do we initialise these arrays in our code?</a:t>
             </a:r>
           </a:p>
           <a:p>
@@ -39271,16 +39096,7 @@
                 </a:solidFill>
                 <a:latin typeface="Arial" panose="020B0604020202020204" pitchFamily="34" charset="0"/>
               </a:rPr>
-              <a:t>Using Arrays – </a:t>
-            </a:r>
-            <a:r>
-              <a:rPr lang="en-GB" b="1" dirty="0" smtClean="0">
-                <a:solidFill>
-                  <a:schemeClr val="bg1"/>
-                </a:solidFill>
-                <a:latin typeface="Arial" panose="020B0604020202020204" pitchFamily="34" charset="0"/>
-              </a:rPr>
-              <a:t>using multidimensional arrays</a:t>
+              <a:t>Using Arrays – using multidimensional arrays</a:t>
             </a:r>
             <a:endParaRPr lang="en-GB" b="1" dirty="0">
               <a:solidFill>
@@ -39318,14 +39134,7 @@
                 <a:latin typeface="+mn-lt"/>
                 <a:cs typeface="Courier New" panose="02070309020205020404" pitchFamily="49" charset="0"/>
               </a:rPr>
-              <a:t>Finally how do we used these arrays in our code? The code on the right gives an example of how we initialise a matrix with </a:t>
-            </a:r>
-            <a:r>
-              <a:rPr lang="en-GB" sz="1400" dirty="0" smtClean="0">
-                <a:latin typeface="+mn-lt"/>
-                <a:cs typeface="Courier New" panose="02070309020205020404" pitchFamily="49" charset="0"/>
-              </a:rPr>
-              <a:t>random numbers.</a:t>
+              <a:t>Finally how do we used these arrays in our code? The code on the right gives an example of how we initialise a matrix with random numbers.</a:t>
             </a:r>
           </a:p>
           <a:p>
@@ -39478,18 +39287,7 @@
                 <a:ea typeface="SimSun" panose="02010600030101010101" pitchFamily="2" charset="-122"/>
                 <a:cs typeface="Courier New" panose="02070309020205020404" pitchFamily="49" charset="0"/>
               </a:rPr>
-              <a:t>#include &lt;stdio.h</a:t>
-            </a:r>
-            <a:r>
-              <a:rPr lang="pt-BR" sz="1200" dirty="0" smtClean="0">
-                <a:solidFill>
-                  <a:srgbClr val="080808"/>
-                </a:solidFill>
-                <a:latin typeface="Courier New" panose="02070309020205020404" pitchFamily="49" charset="0"/>
-                <a:ea typeface="SimSun" panose="02010600030101010101" pitchFamily="2" charset="-122"/>
-                <a:cs typeface="Courier New" panose="02070309020205020404" pitchFamily="49" charset="0"/>
-              </a:rPr>
-              <a:t>&gt;</a:t>
+              <a:t>#include &lt;stdio.h&gt;</a:t>
             </a:r>
           </a:p>
           <a:p>
@@ -39702,51 +39500,7 @@
                 <a:ea typeface="SimSun" panose="02010600030101010101" pitchFamily="2" charset="-122"/>
                 <a:cs typeface="Courier New" panose="02070309020205020404" pitchFamily="49" charset="0"/>
               </a:rPr>
-              <a:t>    </a:t>
-            </a:r>
-            <a:r>
-              <a:rPr lang="pt-BR" sz="1200" dirty="0" smtClean="0">
-                <a:solidFill>
-                  <a:srgbClr val="080808"/>
-                </a:solidFill>
-                <a:latin typeface="Courier New" panose="02070309020205020404" pitchFamily="49" charset="0"/>
-                <a:ea typeface="SimSun" panose="02010600030101010101" pitchFamily="2" charset="-122"/>
-                <a:cs typeface="Courier New" panose="02070309020205020404" pitchFamily="49" charset="0"/>
-              </a:rPr>
-              <a:t>in</a:t>
-            </a:r>
-            <a:r>
-              <a:rPr lang="pt-BR" sz="1200" dirty="0" smtClean="0">
-                <a:solidFill>
-                  <a:srgbClr val="080808"/>
-                </a:solidFill>
-                <a:latin typeface="Courier New" panose="02070309020205020404" pitchFamily="49" charset="0"/>
-                <a:ea typeface="SimSun" panose="02010600030101010101" pitchFamily="2" charset="-122"/>
-                <a:cs typeface="Courier New" panose="02070309020205020404" pitchFamily="49" charset="0"/>
-              </a:rPr>
-              <a:t>t random[n_cols][</a:t>
-            </a:r>
-            <a:r>
-              <a:rPr lang="pt-BR" sz="1200" dirty="0" smtClean="0">
-                <a:solidFill>
-                  <a:srgbClr val="080808"/>
-                </a:solidFill>
-                <a:latin typeface="Courier New" panose="02070309020205020404" pitchFamily="49" charset="0"/>
-                <a:ea typeface="SimSun" panose="02010600030101010101" pitchFamily="2" charset="-122"/>
-                <a:cs typeface="Courier New" panose="02070309020205020404" pitchFamily="49" charset="0"/>
-              </a:rPr>
-              <a:t>n_rows</a:t>
-            </a:r>
-            <a:r>
-              <a:rPr lang="pt-BR" sz="1200" dirty="0" smtClean="0">
-                <a:solidFill>
-                  <a:srgbClr val="080808"/>
-                </a:solidFill>
-                <a:latin typeface="Courier New" panose="02070309020205020404" pitchFamily="49" charset="0"/>
-                <a:ea typeface="SimSun" panose="02010600030101010101" pitchFamily="2" charset="-122"/>
-                <a:cs typeface="Courier New" panose="02070309020205020404" pitchFamily="49" charset="0"/>
-              </a:rPr>
-              <a:t>];</a:t>
+              <a:t>    int random[n_cols][n_rows];</a:t>
             </a:r>
           </a:p>
           <a:p>
@@ -40069,18 +39823,7 @@
                 <a:ea typeface="SimSun" panose="02010600030101010101" pitchFamily="2" charset="-122"/>
                 <a:cs typeface="Courier New" panose="02070309020205020404" pitchFamily="49" charset="0"/>
               </a:rPr>
-              <a:t>    return(0</a:t>
-            </a:r>
-            <a:r>
-              <a:rPr lang="pt-BR" sz="1200" dirty="0" smtClean="0">
-                <a:solidFill>
-                  <a:srgbClr val="080808"/>
-                </a:solidFill>
-                <a:latin typeface="Courier New" panose="02070309020205020404" pitchFamily="49" charset="0"/>
-                <a:ea typeface="SimSun" panose="02010600030101010101" pitchFamily="2" charset="-122"/>
-                <a:cs typeface="Courier New" panose="02070309020205020404" pitchFamily="49" charset="0"/>
-              </a:rPr>
-              <a:t>);</a:t>
+              <a:t>    return(0);</a:t>
             </a:r>
             <a:endParaRPr lang="pt-BR" sz="1200" dirty="0">
               <a:solidFill>
